--- a/_site/translations/en-us/Project/GlobalInnovationAward.pptx
+++ b/_site/translations/en-us/Project/GlobalInnovationAward.pptx
@@ -230,7 +230,7 @@
           <a:p>
             <a:fld id="{B5F92CFC-E422-40B4-9CC4-DEA280552AB2}" type="datetimeFigureOut">
               <a:rPr lang="en-US" smtClean="0"/>
-              <a:t>9/2/18</a:t>
+              <a:t>10/27/22</a:t>
             </a:fld>
             <a:endParaRPr lang="en-US"/>
           </a:p>
@@ -407,7 +407,7 @@
           <a:p>
             <a:fld id="{A78B980B-A051-5042-A199-B77431CF73D3}" type="datetimeFigureOut">
               <a:rPr lang="en-US" smtClean="0"/>
-              <a:t>9/2/18</a:t>
+              <a:t>10/27/22</a:t>
             </a:fld>
             <a:endParaRPr lang="en-US"/>
           </a:p>
@@ -1011,7 +1011,7 @@
           <a:p>
             <a:fld id="{BFF16D12-FE3D-4A62-A087-0B31DB54E69D}" type="datetime1">
               <a:rPr lang="en-US" smtClean="0"/>
-              <a:t>9/2/18</a:t>
+              <a:t>10/27/22</a:t>
             </a:fld>
             <a:endParaRPr lang="en-US" dirty="0"/>
           </a:p>
@@ -1321,7 +1321,7 @@
           <a:p>
             <a:fld id="{810E3C79-2264-49E8-898B-C1DFF63581D7}" type="datetime1">
               <a:rPr lang="en-US" smtClean="0"/>
-              <a:t>9/2/18</a:t>
+              <a:t>10/27/22</a:t>
             </a:fld>
             <a:endParaRPr lang="en-US" dirty="0"/>
           </a:p>
@@ -1579,7 +1579,7 @@
           <a:p>
             <a:fld id="{9C760F2C-58BE-41A2-AE58-4D3B971A7634}" type="datetime1">
               <a:rPr lang="en-US" smtClean="0"/>
-              <a:t>9/2/18</a:t>
+              <a:t>10/27/22</a:t>
             </a:fld>
             <a:endParaRPr lang="en-US" dirty="0"/>
           </a:p>
@@ -1867,7 +1867,7 @@
           <a:p>
             <a:fld id="{6A29C91A-174C-4C1A-903F-02780174199C}" type="datetime1">
               <a:rPr lang="en-US" smtClean="0"/>
-              <a:t>9/2/18</a:t>
+              <a:t>10/27/22</a:t>
             </a:fld>
             <a:endParaRPr lang="en-US" dirty="0"/>
           </a:p>
@@ -2320,7 +2320,7 @@
             <a:fld id="{B61BEF0D-F0BB-DE4B-95CE-6DB70DBA9567}" type="datetimeFigureOut">
               <a:rPr lang="en-US" smtClean="0"/>
               <a:pPr/>
-              <a:t>9/2/18</a:t>
+              <a:t>10/27/22</a:t>
             </a:fld>
             <a:endParaRPr lang="en-US" dirty="0"/>
           </a:p>
@@ -2877,7 +2877,7 @@
           <a:p>
             <a:fld id="{D8241DBC-1E45-4541-84C2-39FE4EA7A568}" type="datetime1">
               <a:rPr lang="en-US" smtClean="0"/>
-              <a:t>9/2/18</a:t>
+              <a:t>10/27/22</a:t>
             </a:fld>
             <a:endParaRPr lang="en-US" dirty="0"/>
           </a:p>
@@ -3326,7 +3326,7 @@
           <a:p>
             <a:fld id="{BFA4465A-DA01-4452-8B56-1F82BF5AA578}" type="datetime1">
               <a:rPr lang="en-US" smtClean="0"/>
-              <a:t>9/2/18</a:t>
+              <a:t>10/27/22</a:t>
             </a:fld>
             <a:endParaRPr lang="en-US" dirty="0"/>
           </a:p>
@@ -3511,7 +3511,7 @@
           <a:p>
             <a:fld id="{9081DE0A-4D00-4D4C-8B3F-B58244B2A185}" type="datetime1">
               <a:rPr lang="en-US" smtClean="0"/>
-              <a:t>9/2/18</a:t>
+              <a:t>10/27/22</a:t>
             </a:fld>
             <a:endParaRPr lang="en-US" dirty="0"/>
           </a:p>
@@ -3634,7 +3634,7 @@
           <a:p>
             <a:fld id="{9AD813E9-08B9-43B9-8359-A874B5CE3671}" type="datetime1">
               <a:rPr lang="en-US" smtClean="0"/>
-              <a:t>9/2/18</a:t>
+              <a:t>10/27/22</a:t>
             </a:fld>
             <a:endParaRPr lang="en-US" dirty="0"/>
           </a:p>
@@ -4040,7 +4040,7 @@
           <a:p>
             <a:fld id="{A2616F96-B4D8-4828-9E39-189DA7B11012}" type="datetime1">
               <a:rPr lang="en-US" smtClean="0"/>
-              <a:t>9/2/18</a:t>
+              <a:t>10/27/22</a:t>
             </a:fld>
             <a:endParaRPr lang="en-US" dirty="0"/>
           </a:p>
@@ -4357,7 +4357,7 @@
           <a:p>
             <a:fld id="{914D92C6-4058-400D-83B5-F0F11FB2141C}" type="datetime1">
               <a:rPr lang="en-US" smtClean="0"/>
-              <a:t>9/2/18</a:t>
+              <a:t>10/27/22</a:t>
             </a:fld>
             <a:endParaRPr lang="en-US" dirty="0"/>
           </a:p>
@@ -4708,7 +4708,7 @@
           <a:p>
             <a:fld id="{7538109E-AB78-4484-AADE-54B615DFA542}" type="datetime1">
               <a:rPr lang="en-US" smtClean="0"/>
-              <a:t>9/2/18</a:t>
+              <a:t>10/27/22</a:t>
             </a:fld>
             <a:endParaRPr lang="en-US" dirty="0"/>
           </a:p>
@@ -7461,7 +7461,7 @@
         <p:spPr>
           <a:xfrm>
             <a:off x="4330700" y="2074139"/>
-            <a:ext cx="4445000" cy="3742462"/>
+            <a:ext cx="4445000" cy="3767264"/>
           </a:xfrm>
           <a:prstGeom prst="rect">
             <a:avLst/>
@@ -8177,8 +8177,8 @@
         </p:nvSpPr>
         <p:spPr>
           <a:xfrm>
-            <a:off x="5153338" y="4266102"/>
-            <a:ext cx="2947415" cy="665787"/>
+            <a:off x="4514684" y="4437376"/>
+            <a:ext cx="4056260" cy="665787"/>
           </a:xfrm>
           <a:prstGeom prst="rect">
             <a:avLst/>
@@ -8443,10 +8443,9 @@
               <a:buNone/>
             </a:pPr>
             <a:r>
-              <a:rPr lang="en-US" sz="1800" b="1" u="sng"/>
+              <a:rPr lang="en-US" sz="1800" b="1" u="sng" dirty="0"/>
               <a:t>Publicly Posted Information</a:t>
             </a:r>
-            <a:endParaRPr lang="en-US" sz="1800" b="1" u="sng" dirty="0"/>
           </a:p>
         </p:txBody>
       </p:sp>
@@ -8458,7 +8457,7 @@
         </p:nvSpPr>
         <p:spPr>
           <a:xfrm>
-            <a:off x="4502742" y="4881157"/>
+            <a:off x="4514683" y="4957465"/>
             <a:ext cx="2002420" cy="590309"/>
           </a:xfrm>
           <a:prstGeom prst="rect">
@@ -8507,7 +8506,7 @@
         </p:nvSpPr>
         <p:spPr>
           <a:xfrm>
-            <a:off x="6651921" y="4881157"/>
+            <a:off x="6663862" y="4957465"/>
             <a:ext cx="2002420" cy="590309"/>
           </a:xfrm>
           <a:prstGeom prst="rect">
